--- a/Speedup_localisation.pptx
+++ b/Speedup_localisation.pptx
@@ -200,7 +200,7 @@
           <a:p>
             <a:fld id="{3B3ECAD4-5B68-134F-BE39-A6695F613417}" type="datetimeFigureOut">
               <a:rPr lang="en-US" smtClean="0"/>
-              <a:t>7/5/20</a:t>
+              <a:t>2/17/21</a:t>
             </a:fld>
             <a:endParaRPr lang="en-US"/>
           </a:p>
@@ -614,7 +614,7 @@
           <a:p>
             <a:fld id="{A7671962-7FF0-0041-8A15-8F51D1010A16}" type="datetimeFigureOut">
               <a:rPr lang="en-US" smtClean="0"/>
-              <a:t>7/5/20</a:t>
+              <a:t>2/17/21</a:t>
             </a:fld>
             <a:endParaRPr lang="en-US"/>
           </a:p>
@@ -812,7 +812,7 @@
           <a:p>
             <a:fld id="{A7671962-7FF0-0041-8A15-8F51D1010A16}" type="datetimeFigureOut">
               <a:rPr lang="en-US" smtClean="0"/>
-              <a:t>7/5/20</a:t>
+              <a:t>2/17/21</a:t>
             </a:fld>
             <a:endParaRPr lang="en-US"/>
           </a:p>
@@ -1020,7 +1020,7 @@
           <a:p>
             <a:fld id="{A7671962-7FF0-0041-8A15-8F51D1010A16}" type="datetimeFigureOut">
               <a:rPr lang="en-US" smtClean="0"/>
-              <a:t>7/5/20</a:t>
+              <a:t>2/17/21</a:t>
             </a:fld>
             <a:endParaRPr lang="en-US"/>
           </a:p>
@@ -1218,7 +1218,7 @@
           <a:p>
             <a:fld id="{A7671962-7FF0-0041-8A15-8F51D1010A16}" type="datetimeFigureOut">
               <a:rPr lang="en-US" smtClean="0"/>
-              <a:t>7/5/20</a:t>
+              <a:t>2/17/21</a:t>
             </a:fld>
             <a:endParaRPr lang="en-US"/>
           </a:p>
@@ -1493,7 +1493,7 @@
           <a:p>
             <a:fld id="{A7671962-7FF0-0041-8A15-8F51D1010A16}" type="datetimeFigureOut">
               <a:rPr lang="en-US" smtClean="0"/>
-              <a:t>7/5/20</a:t>
+              <a:t>2/17/21</a:t>
             </a:fld>
             <a:endParaRPr lang="en-US"/>
           </a:p>
@@ -1758,7 +1758,7 @@
           <a:p>
             <a:fld id="{A7671962-7FF0-0041-8A15-8F51D1010A16}" type="datetimeFigureOut">
               <a:rPr lang="en-US" smtClean="0"/>
-              <a:t>7/5/20</a:t>
+              <a:t>2/17/21</a:t>
             </a:fld>
             <a:endParaRPr lang="en-US"/>
           </a:p>
@@ -2170,7 +2170,7 @@
           <a:p>
             <a:fld id="{A7671962-7FF0-0041-8A15-8F51D1010A16}" type="datetimeFigureOut">
               <a:rPr lang="en-US" smtClean="0"/>
-              <a:t>7/5/20</a:t>
+              <a:t>2/17/21</a:t>
             </a:fld>
             <a:endParaRPr lang="en-US"/>
           </a:p>
@@ -2311,7 +2311,7 @@
           <a:p>
             <a:fld id="{A7671962-7FF0-0041-8A15-8F51D1010A16}" type="datetimeFigureOut">
               <a:rPr lang="en-US" smtClean="0"/>
-              <a:t>7/5/20</a:t>
+              <a:t>2/17/21</a:t>
             </a:fld>
             <a:endParaRPr lang="en-US"/>
           </a:p>
@@ -2424,7 +2424,7 @@
           <a:p>
             <a:fld id="{A7671962-7FF0-0041-8A15-8F51D1010A16}" type="datetimeFigureOut">
               <a:rPr lang="en-US" smtClean="0"/>
-              <a:t>7/5/20</a:t>
+              <a:t>2/17/21</a:t>
             </a:fld>
             <a:endParaRPr lang="en-US"/>
           </a:p>
@@ -2735,7 +2735,7 @@
           <a:p>
             <a:fld id="{A7671962-7FF0-0041-8A15-8F51D1010A16}" type="datetimeFigureOut">
               <a:rPr lang="en-US" smtClean="0"/>
-              <a:t>7/5/20</a:t>
+              <a:t>2/17/21</a:t>
             </a:fld>
             <a:endParaRPr lang="en-US"/>
           </a:p>
@@ -3023,7 +3023,7 @@
           <a:p>
             <a:fld id="{A7671962-7FF0-0041-8A15-8F51D1010A16}" type="datetimeFigureOut">
               <a:rPr lang="en-US" smtClean="0"/>
-              <a:t>7/5/20</a:t>
+              <a:t>2/17/21</a:t>
             </a:fld>
             <a:endParaRPr lang="en-US"/>
           </a:p>
@@ -3264,7 +3264,7 @@
           <a:p>
             <a:fld id="{A7671962-7FF0-0041-8A15-8F51D1010A16}" type="datetimeFigureOut">
               <a:rPr lang="en-US" smtClean="0"/>
-              <a:t>7/5/20</a:t>
+              <a:t>2/17/21</a:t>
             </a:fld>
             <a:endParaRPr lang="en-US"/>
           </a:p>
